--- a/doc/Presentation.pptx
+++ b/doc/Presentation.pptx
@@ -216,7 +216,7 @@
           <a:p>
             <a:fld id="{4DADF9E5-604F-4625-9F1C-6E0680407111}" type="datetimeFigureOut">
               <a:rPr lang="zh-CN" altLang="en-US" smtClean="0"/>
-              <a:t>2016/1/9</a:t>
+              <a:t>2016/1/11</a:t>
             </a:fld>
             <a:endParaRPr lang="zh-CN" altLang="en-US"/>
           </a:p>
@@ -528,6 +528,14 @@
           <a:bodyPr/>
           <a:lstStyle/>
           <a:p>
+            <a:r>
+              <a:rPr lang="zh-CN" altLang="en-US" dirty="0"/>
+              <a:t>此</a:t>
+            </a:r>
+            <a:r>
+              <a:rPr lang="zh-CN" altLang="en-US" dirty="0" smtClean="0"/>
+              <a:t>处我会逐个介绍 一个一个放</a:t>
+            </a:r>
             <a:endParaRPr lang="zh-CN" altLang="en-US" dirty="0"/>
           </a:p>
         </p:txBody>
@@ -613,8 +621,19 @@
           <a:lstStyle/>
           <a:p>
             <a:r>
+              <a:rPr lang="zh-CN" altLang="en-US" dirty="0" smtClean="0"/>
+              <a:t>此处分两次放映 先介绍是什么 再介绍不是什么</a:t>
+            </a:r>
+            <a:endParaRPr lang="en-US" altLang="zh-CN" dirty="0" smtClean="0"/>
+          </a:p>
+          <a:p>
+            <a:r>
               <a:rPr lang="en-US" altLang="zh-CN" dirty="0" smtClean="0"/>
-              <a:t>It is:</a:t>
+              <a:t>It </a:t>
+            </a:r>
+            <a:r>
+              <a:rPr lang="en-US" altLang="zh-CN" dirty="0" smtClean="0"/>
+              <a:t>is:</a:t>
             </a:r>
           </a:p>
           <a:p>
@@ -677,11 +696,7 @@
             </a:pPr>
             <a:r>
               <a:rPr lang="en-US" altLang="zh-CN" baseline="0" dirty="0" smtClean="0"/>
-              <a:t>3. </a:t>
-            </a:r>
-            <a:r>
-              <a:rPr lang="en-US" altLang="zh-CN" baseline="0" smtClean="0"/>
-              <a:t>For benchmark test</a:t>
+              <a:t>3. For benchmark test</a:t>
             </a:r>
             <a:endParaRPr lang="zh-CN" altLang="en-US" dirty="0"/>
           </a:p>
@@ -767,6 +782,16 @@
           <a:bodyPr/>
           <a:lstStyle/>
           <a:p>
+            <a:pPr marL="0" indent="0">
+              <a:buNone/>
+            </a:pPr>
+            <a:r>
+              <a:rPr lang="zh-CN" altLang="en-US" dirty="0" smtClean="0"/>
+              <a:t>在此处请根据我的语速连续播放</a:t>
+            </a:r>
+            <a:endParaRPr lang="en-US" altLang="zh-CN" dirty="0" smtClean="0"/>
+          </a:p>
+          <a:p>
             <a:pPr marL="228600" indent="-228600">
               <a:buAutoNum type="arabicPeriod"/>
             </a:pPr>
@@ -774,6 +799,7 @@
               <a:rPr lang="en-US" altLang="zh-CN" dirty="0" smtClean="0"/>
               <a:t>Objective</a:t>
             </a:r>
+            <a:endParaRPr lang="en-US" altLang="zh-CN" dirty="0" smtClean="0"/>
           </a:p>
           <a:p>
             <a:pPr marL="228600" indent="-228600">
@@ -908,8 +934,19 @@
           <a:lstStyle/>
           <a:p>
             <a:r>
+              <a:rPr lang="zh-CN" altLang="en-US" dirty="0" smtClean="0"/>
+              <a:t>此处根据我的介绍一个一个放映</a:t>
+            </a:r>
+            <a:endParaRPr lang="en-US" altLang="zh-CN" dirty="0" smtClean="0"/>
+          </a:p>
+          <a:p>
+            <a:r>
               <a:rPr lang="en-US" altLang="zh-CN" dirty="0" smtClean="0"/>
-              <a:t>Problems and solution</a:t>
+              <a:t>Problems </a:t>
+            </a:r>
+            <a:r>
+              <a:rPr lang="en-US" altLang="zh-CN" dirty="0" smtClean="0"/>
+              <a:t>and solution</a:t>
             </a:r>
           </a:p>
           <a:p>
@@ -943,11 +980,7 @@
           <a:p>
             <a:r>
               <a:rPr lang="en-US" altLang="zh-CN" baseline="0" dirty="0" smtClean="0"/>
-              <a:t>5. </a:t>
-            </a:r>
-            <a:r>
-              <a:rPr lang="en-US" altLang="zh-CN" baseline="0" smtClean="0"/>
-              <a:t>Lighting model: light at the Sun</a:t>
+              <a:t>5. Lighting model: light at the Sun</a:t>
             </a:r>
             <a:endParaRPr lang="zh-CN" altLang="en-US" dirty="0"/>
           </a:p>
@@ -980,6 +1013,226 @@
     <p:extLst>
       <p:ext uri="{BB962C8B-B14F-4D97-AF65-F5344CB8AC3E}">
         <p14:creationId xmlns:p14="http://schemas.microsoft.com/office/powerpoint/2010/main" val="3750478291"/>
+      </p:ext>
+    </p:extLst>
+  </p:cSld>
+  <p:clrMapOvr>
+    <a:masterClrMapping/>
+  </p:clrMapOvr>
+</p:notes>
+</file>
+
+<file path=ppt/notesSlides/notesSlide5.xml><?xml version="1.0" encoding="utf-8"?>
+<p:notes xmlns:a="http://schemas.openxmlformats.org/drawingml/2006/main" xmlns:r="http://schemas.openxmlformats.org/officeDocument/2006/relationships" xmlns:p="http://schemas.openxmlformats.org/presentationml/2006/main">
+  <p:cSld>
+    <p:spTree>
+      <p:nvGrpSpPr>
+        <p:cNvPr id="1" name=""/>
+        <p:cNvGrpSpPr/>
+        <p:nvPr/>
+      </p:nvGrpSpPr>
+      <p:grpSpPr>
+        <a:xfrm>
+          <a:off x="0" y="0"/>
+          <a:ext cx="0" cy="0"/>
+          <a:chOff x="0" y="0"/>
+          <a:chExt cx="0" cy="0"/>
+        </a:xfrm>
+      </p:grpSpPr>
+      <p:sp>
+        <p:nvSpPr>
+          <p:cNvPr id="2" name="幻灯片图像占位符 1"/>
+          <p:cNvSpPr>
+            <a:spLocks noGrp="1" noRot="1" noChangeAspect="1"/>
+          </p:cNvSpPr>
+          <p:nvPr>
+            <p:ph type="sldImg"/>
+          </p:nvPr>
+        </p:nvSpPr>
+        <p:spPr/>
+      </p:sp>
+      <p:sp>
+        <p:nvSpPr>
+          <p:cNvPr id="3" name="备注占位符 2"/>
+          <p:cNvSpPr>
+            <a:spLocks noGrp="1"/>
+          </p:cNvSpPr>
+          <p:nvPr>
+            <p:ph type="body" idx="1"/>
+          </p:nvPr>
+        </p:nvSpPr>
+        <p:spPr/>
+        <p:txBody>
+          <a:bodyPr/>
+          <a:lstStyle/>
+          <a:p>
+            <a:r>
+              <a:rPr lang="zh-CN" altLang="en-US" dirty="0" smtClean="0"/>
+              <a:t>请根据我的讲解进行游戏</a:t>
+            </a:r>
+            <a:endParaRPr lang="en-US" altLang="zh-CN" dirty="0" smtClean="0"/>
+          </a:p>
+          <a:p>
+            <a:r>
+              <a:rPr lang="zh-CN" altLang="en-US" dirty="0" smtClean="0"/>
+              <a:t>今天是</a:t>
+            </a:r>
+            <a:r>
+              <a:rPr lang="en-US" altLang="zh-CN" dirty="0" smtClean="0"/>
+              <a:t>2016</a:t>
+            </a:r>
+            <a:r>
+              <a:rPr lang="zh-CN" altLang="en-US" dirty="0" smtClean="0"/>
+              <a:t>年的第</a:t>
+            </a:r>
+            <a:r>
+              <a:rPr lang="en-US" altLang="zh-CN" dirty="0" smtClean="0"/>
+              <a:t>11</a:t>
+            </a:r>
+            <a:r>
+              <a:rPr lang="zh-CN" altLang="en-US" dirty="0" smtClean="0"/>
+              <a:t>个日子 你从睡梦中醒来 发现仍然置身在这无际的宇宙</a:t>
+            </a:r>
+            <a:endParaRPr lang="en-US" altLang="zh-CN" dirty="0" smtClean="0"/>
+          </a:p>
+          <a:p>
+            <a:r>
+              <a:rPr lang="zh-CN" altLang="en-US" dirty="0" smtClean="0"/>
+              <a:t>你好奇地四下张望（使用鼠标和键盘转换视角）</a:t>
+            </a:r>
+            <a:r>
+              <a:rPr lang="zh-CN" altLang="en-US" baseline="0" dirty="0" smtClean="0"/>
+              <a:t> 想竭力明白到底发生了什么</a:t>
+            </a:r>
+            <a:endParaRPr lang="en-US" altLang="zh-CN" baseline="0" dirty="0" smtClean="0"/>
+          </a:p>
+          <a:p>
+            <a:r>
+              <a:rPr lang="zh-CN" altLang="en-US" baseline="0" dirty="0" smtClean="0"/>
+              <a:t>为了看看整个世界 你试图操纵飞船飞往宇宙的边际（加速飞向边际）</a:t>
+            </a:r>
+            <a:endParaRPr lang="en-US" altLang="zh-CN" baseline="0" dirty="0" smtClean="0"/>
+          </a:p>
+          <a:p>
+            <a:r>
+              <a:rPr lang="zh-CN" altLang="en-US" baseline="0" dirty="0" smtClean="0"/>
+              <a:t>咦 这不是太阳系吗！？ 那不正是我可爱的地球吗？（使用键盘控制视角注释地球）</a:t>
+            </a:r>
+            <a:endParaRPr lang="en-US" altLang="zh-CN" baseline="0" dirty="0" smtClean="0"/>
+          </a:p>
+          <a:p>
+            <a:r>
+              <a:rPr lang="zh-CN" altLang="en-US" baseline="0" dirty="0" smtClean="0"/>
+              <a:t>让我仔细看看它（控制飞船飞向太阳）</a:t>
+            </a:r>
+            <a:endParaRPr lang="en-US" altLang="zh-CN" baseline="0" dirty="0" smtClean="0"/>
+          </a:p>
+          <a:p>
+            <a:r>
+              <a:rPr lang="zh-CN" altLang="en-US" baseline="0" dirty="0" smtClean="0"/>
+              <a:t>哎呀 糟糕快要撞上太阳了 小心！</a:t>
+            </a:r>
+            <a:endParaRPr lang="en-US" altLang="zh-CN" baseline="0" dirty="0" smtClean="0"/>
+          </a:p>
+          <a:p>
+            <a:r>
+              <a:rPr lang="zh-CN" altLang="en-US" dirty="0" smtClean="0"/>
+              <a:t>然而 你不知道 在无际的宇宙中忍让存在着一种神奇的物质 虫洞（此处存档先）</a:t>
+            </a:r>
+            <a:endParaRPr lang="en-US" altLang="zh-CN" dirty="0" smtClean="0"/>
+          </a:p>
+          <a:p>
+            <a:r>
+              <a:rPr lang="zh-CN" altLang="en-US" dirty="0" smtClean="0"/>
+              <a:t>（飞向虫洞）在不知不觉中 就会把你送往地外星系</a:t>
+            </a:r>
+            <a:endParaRPr lang="en-US" altLang="zh-CN" dirty="0" smtClean="0"/>
+          </a:p>
+          <a:p>
+            <a:r>
+              <a:rPr lang="zh-CN" altLang="en-US" dirty="0" smtClean="0"/>
+              <a:t>为了避免一去不返 你在太阳系中设置了旗标 无助之时按下它 便可返回原先的位置</a:t>
+            </a:r>
+            <a:endParaRPr lang="en-US" altLang="zh-CN" dirty="0" smtClean="0"/>
+          </a:p>
+          <a:p>
+            <a:r>
+              <a:rPr lang="zh-CN" altLang="en-US" dirty="0" smtClean="0"/>
+              <a:t>在太阳系中漫无目的地徘徊后 你想起了夸父追日的故事 为什么不深入地去太阳那看看</a:t>
+            </a:r>
+            <a:endParaRPr lang="en-US" altLang="zh-CN" dirty="0" smtClean="0"/>
+          </a:p>
+          <a:p>
+            <a:r>
+              <a:rPr lang="zh-CN" altLang="en-US" dirty="0" smtClean="0"/>
+              <a:t>（无视</a:t>
+            </a:r>
+            <a:r>
+              <a:rPr lang="en-US" altLang="zh-CN" dirty="0" smtClean="0"/>
+              <a:t>danger</a:t>
+            </a:r>
+            <a:r>
+              <a:rPr lang="zh-CN" altLang="en-US" dirty="0" smtClean="0"/>
+              <a:t>飞向太阳）</a:t>
+            </a:r>
+            <a:endParaRPr lang="en-US" altLang="zh-CN" dirty="0" smtClean="0"/>
+          </a:p>
+          <a:p>
+            <a:r>
+              <a:rPr lang="zh-CN" altLang="en-US" dirty="0" smtClean="0"/>
+              <a:t>然而太阳的炙热最终烧毁了你的飞船（死亡画面）</a:t>
+            </a:r>
+            <a:endParaRPr lang="en-US" altLang="zh-CN" dirty="0" smtClean="0"/>
+          </a:p>
+          <a:p>
+            <a:r>
+              <a:rPr lang="zh-CN" altLang="en-US" dirty="0" smtClean="0"/>
+              <a:t>你静静地闭上了眼睛</a:t>
+            </a:r>
+            <a:endParaRPr lang="en-US" altLang="zh-CN" dirty="0" smtClean="0"/>
+          </a:p>
+          <a:p>
+            <a:r>
+              <a:rPr lang="zh-CN" altLang="en-US" smtClean="0"/>
+              <a:t>却发现第二天所有的一切似乎都和原来一样 或许生活也是如此 我们不过是其中的一个玩家罢了</a:t>
+            </a:r>
+            <a:endParaRPr lang="en-US" altLang="zh-CN" dirty="0" smtClean="0"/>
+          </a:p>
+          <a:p>
+            <a:endParaRPr lang="en-US" altLang="zh-CN" dirty="0" smtClean="0"/>
+          </a:p>
+          <a:p>
+            <a:endParaRPr lang="zh-CN" altLang="en-US" dirty="0"/>
+          </a:p>
+        </p:txBody>
+      </p:sp>
+      <p:sp>
+        <p:nvSpPr>
+          <p:cNvPr id="4" name="灯片编号占位符 3"/>
+          <p:cNvSpPr>
+            <a:spLocks noGrp="1"/>
+          </p:cNvSpPr>
+          <p:nvPr>
+            <p:ph type="sldNum" sz="quarter" idx="10"/>
+          </p:nvPr>
+        </p:nvSpPr>
+        <p:spPr/>
+        <p:txBody>
+          <a:bodyPr/>
+          <a:lstStyle/>
+          <a:p>
+            <a:fld id="{33155FD5-3E1A-45A2-98C2-26FCF75BB9EC}" type="slidenum">
+              <a:rPr lang="zh-CN" altLang="en-US" smtClean="0"/>
+              <a:t>7</a:t>
+            </a:fld>
+            <a:endParaRPr lang="zh-CN" altLang="en-US"/>
+          </a:p>
+        </p:txBody>
+      </p:sp>
+    </p:spTree>
+    <p:extLst>
+      <p:ext uri="{BB962C8B-B14F-4D97-AF65-F5344CB8AC3E}">
+        <p14:creationId xmlns:p14="http://schemas.microsoft.com/office/powerpoint/2010/main" val="3340236320"/>
       </p:ext>
     </p:extLst>
   </p:cSld>
@@ -1120,7 +1373,7 @@
           <a:p>
             <a:fld id="{203A558D-22ED-47E1-BFBE-35F6FADD456F}" type="datetimeFigureOut">
               <a:rPr lang="zh-CN" altLang="en-US" smtClean="0"/>
-              <a:t>2016/1/9</a:t>
+              <a:t>2016/1/11</a:t>
             </a:fld>
             <a:endParaRPr lang="zh-CN" altLang="en-US"/>
           </a:p>
@@ -1290,7 +1543,7 @@
           <a:p>
             <a:fld id="{203A558D-22ED-47E1-BFBE-35F6FADD456F}" type="datetimeFigureOut">
               <a:rPr lang="zh-CN" altLang="en-US" smtClean="0"/>
-              <a:t>2016/1/9</a:t>
+              <a:t>2016/1/11</a:t>
             </a:fld>
             <a:endParaRPr lang="zh-CN" altLang="en-US"/>
           </a:p>
@@ -1470,7 +1723,7 @@
           <a:p>
             <a:fld id="{203A558D-22ED-47E1-BFBE-35F6FADD456F}" type="datetimeFigureOut">
               <a:rPr lang="zh-CN" altLang="en-US" smtClean="0"/>
-              <a:t>2016/1/9</a:t>
+              <a:t>2016/1/11</a:t>
             </a:fld>
             <a:endParaRPr lang="zh-CN" altLang="en-US"/>
           </a:p>
@@ -1640,7 +1893,7 @@
           <a:p>
             <a:fld id="{203A558D-22ED-47E1-BFBE-35F6FADD456F}" type="datetimeFigureOut">
               <a:rPr lang="zh-CN" altLang="en-US" smtClean="0"/>
-              <a:t>2016/1/9</a:t>
+              <a:t>2016/1/11</a:t>
             </a:fld>
             <a:endParaRPr lang="zh-CN" altLang="en-US"/>
           </a:p>
@@ -1886,7 +2139,7 @@
           <a:p>
             <a:fld id="{203A558D-22ED-47E1-BFBE-35F6FADD456F}" type="datetimeFigureOut">
               <a:rPr lang="zh-CN" altLang="en-US" smtClean="0"/>
-              <a:t>2016/1/9</a:t>
+              <a:t>2016/1/11</a:t>
             </a:fld>
             <a:endParaRPr lang="zh-CN" altLang="en-US"/>
           </a:p>
@@ -2118,7 +2371,7 @@
           <a:p>
             <a:fld id="{203A558D-22ED-47E1-BFBE-35F6FADD456F}" type="datetimeFigureOut">
               <a:rPr lang="zh-CN" altLang="en-US" smtClean="0"/>
-              <a:t>2016/1/9</a:t>
+              <a:t>2016/1/11</a:t>
             </a:fld>
             <a:endParaRPr lang="zh-CN" altLang="en-US"/>
           </a:p>
@@ -2485,7 +2738,7 @@
           <a:p>
             <a:fld id="{203A558D-22ED-47E1-BFBE-35F6FADD456F}" type="datetimeFigureOut">
               <a:rPr lang="zh-CN" altLang="en-US" smtClean="0"/>
-              <a:t>2016/1/9</a:t>
+              <a:t>2016/1/11</a:t>
             </a:fld>
             <a:endParaRPr lang="zh-CN" altLang="en-US"/>
           </a:p>
@@ -2603,7 +2856,7 @@
           <a:p>
             <a:fld id="{203A558D-22ED-47E1-BFBE-35F6FADD456F}" type="datetimeFigureOut">
               <a:rPr lang="zh-CN" altLang="en-US" smtClean="0"/>
-              <a:t>2016/1/9</a:t>
+              <a:t>2016/1/11</a:t>
             </a:fld>
             <a:endParaRPr lang="zh-CN" altLang="en-US"/>
           </a:p>
@@ -2698,7 +2951,7 @@
           <a:p>
             <a:fld id="{203A558D-22ED-47E1-BFBE-35F6FADD456F}" type="datetimeFigureOut">
               <a:rPr lang="zh-CN" altLang="en-US" smtClean="0"/>
-              <a:t>2016/1/9</a:t>
+              <a:t>2016/1/11</a:t>
             </a:fld>
             <a:endParaRPr lang="zh-CN" altLang="en-US"/>
           </a:p>
@@ -2975,7 +3228,7 @@
           <a:p>
             <a:fld id="{203A558D-22ED-47E1-BFBE-35F6FADD456F}" type="datetimeFigureOut">
               <a:rPr lang="zh-CN" altLang="en-US" smtClean="0"/>
-              <a:t>2016/1/9</a:t>
+              <a:t>2016/1/11</a:t>
             </a:fld>
             <a:endParaRPr lang="zh-CN" altLang="en-US"/>
           </a:p>
@@ -3228,7 +3481,7 @@
           <a:p>
             <a:fld id="{203A558D-22ED-47E1-BFBE-35F6FADD456F}" type="datetimeFigureOut">
               <a:rPr lang="zh-CN" altLang="en-US" smtClean="0"/>
-              <a:t>2016/1/9</a:t>
+              <a:t>2016/1/11</a:t>
             </a:fld>
             <a:endParaRPr lang="zh-CN" altLang="en-US"/>
           </a:p>
@@ -3441,7 +3694,7 @@
           <a:p>
             <a:fld id="{203A558D-22ED-47E1-BFBE-35F6FADD456F}" type="datetimeFigureOut">
               <a:rPr lang="zh-CN" altLang="en-US" smtClean="0"/>
-              <a:t>2016/1/9</a:t>
+              <a:t>2016/1/11</a:t>
             </a:fld>
             <a:endParaRPr lang="zh-CN" altLang="en-US"/>
           </a:p>
@@ -5334,12 +5587,12 @@
               <a:t>“</a:t>
             </a:r>
             <a:r>
-              <a:rPr lang="zh-CN" altLang="en-US" sz="2000" b="1" dirty="0">
+              <a:rPr lang="en-US" altLang="zh-CN" sz="2000" b="1" dirty="0" smtClean="0">
                 <a:latin typeface="Times New Roman" panose="02020603050405020304" pitchFamily="18" charset="0"/>
                 <a:ea typeface="微软雅黑" panose="020B0503020204020204" pitchFamily="34" charset="-122"/>
                 <a:cs typeface="Times New Roman" panose="02020603050405020304" pitchFamily="18" charset="0"/>
               </a:rPr>
-              <a:t>截屏</a:t>
+              <a:t>xx</a:t>
             </a:r>
             <a:r>
               <a:rPr lang="zh-CN" altLang="en-US" sz="2000" b="1" dirty="0" smtClean="0">
@@ -5347,7 +5600,15 @@
                 <a:ea typeface="微软雅黑" panose="020B0503020204020204" pitchFamily="34" charset="-122"/>
                 <a:cs typeface="Times New Roman" panose="02020603050405020304" pitchFamily="18" charset="0"/>
               </a:rPr>
-              <a:t>还有谜之</a:t>
+              <a:t>还</a:t>
+            </a:r>
+            <a:r>
+              <a:rPr lang="zh-CN" altLang="en-US" sz="2000" b="1" dirty="0" smtClean="0">
+                <a:latin typeface="Times New Roman" panose="02020603050405020304" pitchFamily="18" charset="0"/>
+                <a:ea typeface="微软雅黑" panose="020B0503020204020204" pitchFamily="34" charset="-122"/>
+                <a:cs typeface="Times New Roman" panose="02020603050405020304" pitchFamily="18" charset="0"/>
+              </a:rPr>
+              <a:t>有谜之</a:t>
             </a:r>
             <a:r>
               <a:rPr lang="en-US" altLang="zh-CN" sz="2000" b="1" dirty="0" smtClean="0">
@@ -5365,21 +5626,21 @@
               </a:rPr>
               <a:t>”</a:t>
             </a:r>
-            <a:endParaRPr lang="en-US" altLang="zh-CN" sz="2000" b="1" dirty="0">
-              <a:latin typeface="Times New Roman" panose="02020603050405020304" pitchFamily="18" charset="0"/>
-              <a:ea typeface="微软雅黑" panose="020B0503020204020204" pitchFamily="34" charset="-122"/>
-              <a:cs typeface="Times New Roman" panose="02020603050405020304" pitchFamily="18" charset="0"/>
-            </a:endParaRPr>
-          </a:p>
-          <a:p>
-            <a:pPr algn="ctr"/>
+            <a:r>
+              <a:rPr lang="en-US" altLang="zh-CN" sz="2000" b="1" dirty="0" smtClean="0">
+                <a:latin typeface="Times New Roman" panose="02020603050405020304" pitchFamily="18" charset="0"/>
+                <a:ea typeface="微软雅黑" panose="020B0503020204020204" pitchFamily="34" charset="-122"/>
+                <a:cs typeface="Times New Roman" panose="02020603050405020304" pitchFamily="18" charset="0"/>
+              </a:rPr>
+              <a:t> </a:t>
+            </a:r>
             <a:r>
               <a:rPr lang="zh-CN" altLang="en-US" sz="2000" b="1" dirty="0" smtClean="0">
                 <a:latin typeface="Times New Roman" panose="02020603050405020304" pitchFamily="18" charset="0"/>
                 <a:ea typeface="微软雅黑" panose="020B0503020204020204" pitchFamily="34" charset="-122"/>
                 <a:cs typeface="Times New Roman" panose="02020603050405020304" pitchFamily="18" charset="0"/>
               </a:rPr>
-              <a:t>状态：测试</a:t>
+              <a:t>状</a:t>
             </a:r>
             <a:r>
               <a:rPr lang="zh-CN" altLang="en-US" sz="2000" b="1" dirty="0" smtClean="0">
@@ -5387,7 +5648,7 @@
                 <a:ea typeface="微软雅黑" panose="020B0503020204020204" pitchFamily="34" charset="-122"/>
                 <a:cs typeface="Times New Roman" panose="02020603050405020304" pitchFamily="18" charset="0"/>
               </a:rPr>
-              <a:t>狗</a:t>
+              <a:t>态：测试狗</a:t>
             </a:r>
             <a:r>
               <a:rPr lang="en-US" altLang="zh-CN" sz="2000" b="1" dirty="0" smtClean="0">
